--- a/Data Analytics Process.pptx
+++ b/Data Analytics Process.pptx
@@ -16,7 +16,7 @@
     <p:sldId id="260" r:id="rId7"/>
     <p:sldId id="258" r:id="rId8"/>
     <p:sldId id="261" r:id="rId9"/>
-    <p:sldId id="262" r:id="rId10"/>
+    <p:sldId id="293" r:id="rId10"/>
     <p:sldId id="286" r:id="rId11"/>
     <p:sldId id="287" r:id="rId12"/>
     <p:sldId id="288" r:id="rId13"/>
@@ -27408,10 +27408,10 @@
       </p:grpSpPr>
       <p:sp>
         <p:nvSpPr>
-          <p:cNvPr id="4" name="Title 3">
+          <p:cNvPr id="2" name="Title 1">
             <a:extLst>
               <a:ext uri="{FF2B5EF4-FFF2-40B4-BE49-F238E27FC236}">
-                <a16:creationId xmlns:a16="http://schemas.microsoft.com/office/drawing/2014/main" id="{315E3981-F0D7-482C-A8E0-6A57700BECA7}"/>
+                <a16:creationId xmlns:a16="http://schemas.microsoft.com/office/drawing/2014/main" id="{8BD83266-3295-DC88-DA67-704E82ABF417}"/>
               </a:ext>
             </a:extLst>
           </p:cNvPr>
@@ -27431,15 +27431,16 @@
               <a:rPr lang="en-US" dirty="0"/>
               <a:t>Data Analysis Process Steps:</a:t>
             </a:r>
+            <a:endParaRPr lang="en-IN" dirty="0"/>
           </a:p>
         </p:txBody>
       </p:sp>
       <p:sp>
         <p:nvSpPr>
-          <p:cNvPr id="2" name="Slide Number Placeholder 1">
+          <p:cNvPr id="3" name="Slide Number Placeholder 2">
             <a:extLst>
               <a:ext uri="{FF2B5EF4-FFF2-40B4-BE49-F238E27FC236}">
-                <a16:creationId xmlns:a16="http://schemas.microsoft.com/office/drawing/2014/main" id="{CC1F11E7-EDE5-4119-BA64-4FC57C285D19}"/>
+                <a16:creationId xmlns:a16="http://schemas.microsoft.com/office/drawing/2014/main" id="{75D231B2-1346-E810-20B1-7E1E009D0D27}"/>
               </a:ext>
             </a:extLst>
           </p:cNvPr>
@@ -27456,20 +27457,20 @@
           <a:lstStyle/>
           <a:p>
             <a:fld id="{C263D6C4-4840-40CC-AC84-17E24B3B7BDE}" type="slidenum">
-              <a:rPr lang="en-US" smtClean="0"/>
+              <a:rPr lang="en-US" noProof="0" smtClean="0"/>
               <a:pPr/>
               <a:t>6</a:t>
             </a:fld>
-            <a:endParaRPr lang="en-US" dirty="0"/>
+            <a:endParaRPr lang="en-US" noProof="0" dirty="0"/>
           </a:p>
         </p:txBody>
       </p:sp>
       <p:sp>
         <p:nvSpPr>
-          <p:cNvPr id="20" name="Text Placeholder 19">
+          <p:cNvPr id="4" name="Text Placeholder 3">
             <a:extLst>
               <a:ext uri="{FF2B5EF4-FFF2-40B4-BE49-F238E27FC236}">
-                <a16:creationId xmlns:a16="http://schemas.microsoft.com/office/drawing/2014/main" id="{CB924A29-3538-4A3F-82A6-D2A7538C2111}"/>
+                <a16:creationId xmlns:a16="http://schemas.microsoft.com/office/drawing/2014/main" id="{C5B1FF34-B162-A622-2BCF-0DCCD51A9C2F}"/>
               </a:ext>
             </a:extLst>
           </p:cNvPr>
@@ -27477,277 +27478,290 @@
             <a:spLocks noGrp="1"/>
           </p:cNvSpPr>
           <p:nvPr>
-            <p:ph type="body" sz="quarter" idx="4294967295"/>
+            <p:ph type="body" sz="quarter" idx="13"/>
           </p:nvPr>
         </p:nvSpPr>
-        <p:spPr>
-          <a:xfrm>
-            <a:off x="12609576" y="3115501"/>
-            <a:ext cx="1776413" cy="1463675"/>
-          </a:xfrm>
-        </p:spPr>
+        <p:spPr/>
         <p:txBody>
-          <a:bodyPr>
-            <a:normAutofit lnSpcReduction="10000"/>
-          </a:bodyPr>
+          <a:bodyPr/>
           <a:lstStyle/>
           <a:p>
+            <a:pPr marL="0" marR="0" lvl="0" indent="0" algn="l" defTabSz="914400" rtl="0" eaLnBrk="1" fontAlgn="auto" latinLnBrk="0" hangingPunct="1">
+              <a:lnSpc>
+                <a:spcPct val="100000"/>
+              </a:lnSpc>
+              <a:spcBef>
+                <a:spcPts val="0"/>
+              </a:spcBef>
+              <a:spcAft>
+                <a:spcPts val="0"/>
+              </a:spcAft>
+              <a:buClrTx/>
+              <a:buSzTx/>
+              <a:buFontTx/>
+              <a:buNone/>
+              <a:tabLst/>
+              <a:defRPr/>
+            </a:pPr>
             <a:r>
-              <a:rPr lang="en-US" dirty="0"/>
-              <a:t>Caption02 appears here</a:t>
-            </a:r>
-          </a:p>
-        </p:txBody>
-      </p:sp>
-      <p:sp>
-        <p:nvSpPr>
-          <p:cNvPr id="21" name="Text Placeholder 20">
-            <a:extLst>
-              <a:ext uri="{FF2B5EF4-FFF2-40B4-BE49-F238E27FC236}">
-                <a16:creationId xmlns:a16="http://schemas.microsoft.com/office/drawing/2014/main" id="{1B8F0371-4F69-4131-91BF-9AB99E6EE89B}"/>
-              </a:ext>
-            </a:extLst>
-          </p:cNvPr>
-          <p:cNvSpPr>
-            <a:spLocks noGrp="1"/>
-          </p:cNvSpPr>
-          <p:nvPr>
-            <p:ph type="body" sz="quarter" idx="4294967295"/>
-          </p:nvPr>
-        </p:nvSpPr>
-        <p:spPr>
-          <a:xfrm>
-            <a:off x="12274296" y="1454309"/>
-            <a:ext cx="1774825" cy="1463675"/>
-          </a:xfrm>
-        </p:spPr>
-        <p:txBody>
-          <a:bodyPr>
-            <a:normAutofit/>
-          </a:bodyPr>
-          <a:lstStyle/>
-          <a:p>
-            <a:endParaRPr lang="en-US" dirty="0"/>
-          </a:p>
-        </p:txBody>
-      </p:sp>
-      <p:sp>
-        <p:nvSpPr>
-          <p:cNvPr id="22" name="Text Placeholder 21">
-            <a:extLst>
-              <a:ext uri="{FF2B5EF4-FFF2-40B4-BE49-F238E27FC236}">
-                <a16:creationId xmlns:a16="http://schemas.microsoft.com/office/drawing/2014/main" id="{78CACAF1-61EA-4605-A8FE-2EEE752B49FF}"/>
-              </a:ext>
-            </a:extLst>
-          </p:cNvPr>
-          <p:cNvSpPr>
-            <a:spLocks noGrp="1"/>
-          </p:cNvSpPr>
-          <p:nvPr>
-            <p:ph type="body" sz="quarter" idx="4294967295"/>
-          </p:nvPr>
-        </p:nvSpPr>
-        <p:spPr>
-          <a:xfrm>
-            <a:off x="12756452" y="298514"/>
-            <a:ext cx="1776412" cy="1463675"/>
-          </a:xfrm>
-        </p:spPr>
-        <p:txBody>
-          <a:bodyPr>
-            <a:normAutofit lnSpcReduction="10000"/>
-          </a:bodyPr>
-          <a:lstStyle/>
-          <a:p>
-            <a:r>
-              <a:rPr lang="en-US" dirty="0"/>
-              <a:t>Caption04 appears here</a:t>
-            </a:r>
-          </a:p>
-        </p:txBody>
-      </p:sp>
-      <p:sp>
-        <p:nvSpPr>
-          <p:cNvPr id="23" name="Text Placeholder 22">
-            <a:extLst>
-              <a:ext uri="{FF2B5EF4-FFF2-40B4-BE49-F238E27FC236}">
-                <a16:creationId xmlns:a16="http://schemas.microsoft.com/office/drawing/2014/main" id="{8D05A34F-7712-46DB-AB5B-272E294B62EE}"/>
-              </a:ext>
-            </a:extLst>
-          </p:cNvPr>
-          <p:cNvSpPr>
-            <a:spLocks noGrp="1"/>
-          </p:cNvSpPr>
-          <p:nvPr>
-            <p:ph type="body" sz="quarter" idx="4294967295"/>
-          </p:nvPr>
-        </p:nvSpPr>
-        <p:spPr>
-          <a:xfrm>
-            <a:off x="12609576" y="4468813"/>
-            <a:ext cx="1776412" cy="1463675"/>
-          </a:xfrm>
-        </p:spPr>
-        <p:txBody>
-          <a:bodyPr>
-            <a:normAutofit lnSpcReduction="10000"/>
-          </a:bodyPr>
-          <a:lstStyle/>
-          <a:p>
-            <a:r>
-              <a:rPr lang="en-US" dirty="0"/>
-              <a:t>Caption05 appears here</a:t>
-            </a:r>
-          </a:p>
-        </p:txBody>
-      </p:sp>
-      <p:sp>
-        <p:nvSpPr>
-          <p:cNvPr id="18" name="TextBox 17">
-            <a:extLst>
-              <a:ext uri="{FF2B5EF4-FFF2-40B4-BE49-F238E27FC236}">
-                <a16:creationId xmlns:a16="http://schemas.microsoft.com/office/drawing/2014/main" id="{81404456-4694-7172-67A7-B6B2A8EC9FB3}"/>
-              </a:ext>
-            </a:extLst>
-          </p:cNvPr>
-          <p:cNvSpPr txBox="1"/>
-          <p:nvPr/>
-        </p:nvSpPr>
-        <p:spPr>
-          <a:xfrm>
-            <a:off x="444500" y="1531356"/>
-            <a:ext cx="1676908" cy="461665"/>
-          </a:xfrm>
-          <a:prstGeom prst="rect">
-            <a:avLst/>
-          </a:prstGeom>
-          <a:noFill/>
-        </p:spPr>
-        <p:txBody>
-          <a:bodyPr wrap="square" rtlCol="0">
-            <a:spAutoFit/>
-          </a:bodyPr>
-          <a:lstStyle/>
-          <a:p>
-            <a:r>
-              <a:rPr lang="en-IN" sz="2400" dirty="0">
+              <a:rPr kumimoji="0" lang="en-IN" sz="2400" b="0" i="0" u="none" strike="noStrike" kern="1200" cap="none" spc="0" normalizeH="0" baseline="0" noProof="0" dirty="0">
+                <a:ln>
+                  <a:noFill/>
+                </a:ln>
                 <a:solidFill>
-                  <a:schemeClr val="accent1">
+                  <a:srgbClr val="0065A4">
                     <a:lumMod val="40000"/>
                     <a:lumOff val="60000"/>
-                  </a:schemeClr>
+                  </a:srgbClr>
                 </a:solidFill>
+                <a:effectLst/>
+                <a:uLnTx/>
+                <a:uFillTx/>
+                <a:latin typeface="Arial"/>
+                <a:ea typeface="+mn-ea"/>
+                <a:cs typeface="+mn-cs"/>
               </a:rPr>
               <a:t>Planning :</a:t>
             </a:r>
           </a:p>
-        </p:txBody>
-      </p:sp>
-      <p:sp>
-        <p:nvSpPr>
-          <p:cNvPr id="24" name="TextBox 23">
-            <a:extLst>
-              <a:ext uri="{FF2B5EF4-FFF2-40B4-BE49-F238E27FC236}">
-                <a16:creationId xmlns:a16="http://schemas.microsoft.com/office/drawing/2014/main" id="{4A27DF83-7D3E-9E64-E39C-44F626A2ED8B}"/>
-              </a:ext>
-            </a:extLst>
-          </p:cNvPr>
-          <p:cNvSpPr txBox="1"/>
-          <p:nvPr/>
-        </p:nvSpPr>
-        <p:spPr>
-          <a:xfrm>
-            <a:off x="621792" y="2194560"/>
-            <a:ext cx="10076688" cy="1754326"/>
-          </a:xfrm>
-          <a:prstGeom prst="rect">
-            <a:avLst/>
-          </a:prstGeom>
-          <a:noFill/>
-        </p:spPr>
-        <p:txBody>
-          <a:bodyPr wrap="square" rtlCol="0">
-            <a:spAutoFit/>
-          </a:bodyPr>
-          <a:lstStyle/>
-          <a:p>
+          <a:p>
+            <a:pPr marL="0" marR="0" lvl="0" indent="0" algn="l" defTabSz="914400" rtl="0" eaLnBrk="1" fontAlgn="auto" latinLnBrk="0" hangingPunct="1">
+              <a:lnSpc>
+                <a:spcPct val="100000"/>
+              </a:lnSpc>
+              <a:spcBef>
+                <a:spcPts val="0"/>
+              </a:spcBef>
+              <a:spcAft>
+                <a:spcPts val="0"/>
+              </a:spcAft>
+              <a:buClrTx/>
+              <a:buSzTx/>
+              <a:buFontTx/>
+              <a:buNone/>
+              <a:tabLst/>
+              <a:defRPr/>
+            </a:pPr>
             <a:r>
-              <a:rPr lang="en-IN" dirty="0">
+              <a:rPr kumimoji="0" lang="en-IN" sz="1800" b="0" i="0" u="none" strike="noStrike" kern="1200" cap="none" spc="0" normalizeH="0" baseline="0" noProof="0" dirty="0">
+                <a:ln>
+                  <a:noFill/>
+                </a:ln>
                 <a:solidFill>
-                  <a:schemeClr val="bg1">
+                  <a:srgbClr val="FFFFFF">
                     <a:lumMod val="95000"/>
-                  </a:schemeClr>
+                  </a:srgbClr>
                 </a:solidFill>
+                <a:effectLst/>
+                <a:uLnTx/>
+                <a:uFillTx/>
+                <a:latin typeface="Arial"/>
+                <a:ea typeface="+mn-ea"/>
+                <a:cs typeface="+mn-cs"/>
               </a:rPr>
               <a:t>In Data Analytics first thing we do is Planning. To achieve a goal we must do some planning.</a:t>
             </a:r>
           </a:p>
           <a:p>
-            <a:endParaRPr lang="en-IN" dirty="0">
+            <a:pPr marL="0" marR="0" lvl="0" indent="0" algn="l" defTabSz="914400" rtl="0" eaLnBrk="1" fontAlgn="auto" latinLnBrk="0" hangingPunct="1">
+              <a:lnSpc>
+                <a:spcPct val="100000"/>
+              </a:lnSpc>
+              <a:spcBef>
+                <a:spcPts val="0"/>
+              </a:spcBef>
+              <a:spcAft>
+                <a:spcPts val="0"/>
+              </a:spcAft>
+              <a:buClrTx/>
+              <a:buSzTx/>
+              <a:buFontTx/>
+              <a:buNone/>
+              <a:tabLst/>
+              <a:defRPr/>
+            </a:pPr>
+            <a:endParaRPr kumimoji="0" lang="en-IN" sz="1800" b="0" i="0" u="none" strike="noStrike" kern="1200" cap="none" spc="0" normalizeH="0" baseline="0" noProof="0" dirty="0">
+              <a:ln>
+                <a:noFill/>
+              </a:ln>
               <a:solidFill>
-                <a:schemeClr val="bg1">
+                <a:srgbClr val="FFFFFF">
                   <a:lumMod val="95000"/>
-                </a:schemeClr>
+                </a:srgbClr>
               </a:solidFill>
+              <a:effectLst/>
+              <a:uLnTx/>
+              <a:uFillTx/>
+              <a:latin typeface="Arial"/>
+              <a:ea typeface="+mn-ea"/>
+              <a:cs typeface="+mn-cs"/>
             </a:endParaRPr>
           </a:p>
           <a:p>
+            <a:pPr marL="0" marR="0" lvl="0" indent="0" algn="l" defTabSz="914400" rtl="0" eaLnBrk="1" fontAlgn="auto" latinLnBrk="0" hangingPunct="1">
+              <a:lnSpc>
+                <a:spcPct val="100000"/>
+              </a:lnSpc>
+              <a:spcBef>
+                <a:spcPts val="0"/>
+              </a:spcBef>
+              <a:spcAft>
+                <a:spcPts val="0"/>
+              </a:spcAft>
+              <a:buClrTx/>
+              <a:buSzTx/>
+              <a:buFontTx/>
+              <a:buNone/>
+              <a:tabLst/>
+              <a:defRPr/>
+            </a:pPr>
             <a:r>
-              <a:rPr lang="en-IN" dirty="0">
+              <a:rPr kumimoji="0" lang="en-IN" sz="1800" b="0" i="0" u="none" strike="noStrike" kern="1200" cap="none" spc="0" normalizeH="0" baseline="0" noProof="0" dirty="0">
+                <a:ln>
+                  <a:noFill/>
+                </a:ln>
                 <a:solidFill>
-                  <a:schemeClr val="bg1">
+                  <a:srgbClr val="FFFFFF">
                     <a:lumMod val="95000"/>
-                  </a:schemeClr>
+                  </a:srgbClr>
                 </a:solidFill>
+                <a:effectLst/>
+                <a:uLnTx/>
+                <a:uFillTx/>
+                <a:latin typeface="Arial"/>
+                <a:ea typeface="+mn-ea"/>
+                <a:cs typeface="+mn-cs"/>
               </a:rPr>
               <a:t>In daily life we plan before we act on anything, An action without planning can have higher chances of failure.</a:t>
             </a:r>
           </a:p>
           <a:p>
-            <a:endParaRPr lang="en-IN" dirty="0">
+            <a:pPr marL="0" marR="0" lvl="0" indent="0" algn="l" defTabSz="914400" rtl="0" eaLnBrk="1" fontAlgn="auto" latinLnBrk="0" hangingPunct="1">
+              <a:lnSpc>
+                <a:spcPct val="100000"/>
+              </a:lnSpc>
+              <a:spcBef>
+                <a:spcPts val="0"/>
+              </a:spcBef>
+              <a:spcAft>
+                <a:spcPts val="0"/>
+              </a:spcAft>
+              <a:buClrTx/>
+              <a:buSzTx/>
+              <a:buFontTx/>
+              <a:buNone/>
+              <a:tabLst/>
+              <a:defRPr/>
+            </a:pPr>
+            <a:endParaRPr kumimoji="0" lang="en-IN" sz="1800" b="0" i="0" u="none" strike="noStrike" kern="1200" cap="none" spc="0" normalizeH="0" baseline="0" noProof="0" dirty="0">
+              <a:ln>
+                <a:noFill/>
+              </a:ln>
               <a:solidFill>
-                <a:schemeClr val="bg1">
+                <a:srgbClr val="FFFFFF">
                   <a:lumMod val="95000"/>
-                </a:schemeClr>
+                </a:srgbClr>
               </a:solidFill>
+              <a:effectLst/>
+              <a:uLnTx/>
+              <a:uFillTx/>
+              <a:latin typeface="Arial"/>
+              <a:ea typeface="+mn-ea"/>
+              <a:cs typeface="+mn-cs"/>
             </a:endParaRPr>
           </a:p>
           <a:p>
+            <a:pPr marL="0" marR="0" lvl="0" indent="0" algn="l" defTabSz="914400" rtl="0" eaLnBrk="1" fontAlgn="auto" latinLnBrk="0" hangingPunct="1">
+              <a:lnSpc>
+                <a:spcPct val="100000"/>
+              </a:lnSpc>
+              <a:spcBef>
+                <a:spcPts val="0"/>
+              </a:spcBef>
+              <a:spcAft>
+                <a:spcPts val="0"/>
+              </a:spcAft>
+              <a:buClrTx/>
+              <a:buSzTx/>
+              <a:buFontTx/>
+              <a:buNone/>
+              <a:tabLst/>
+              <a:defRPr/>
+            </a:pPr>
             <a:r>
-              <a:rPr lang="en-IN" dirty="0">
+              <a:rPr kumimoji="0" lang="en-IN" sz="1800" b="0" i="0" u="none" strike="noStrike" kern="1200" cap="none" spc="0" normalizeH="0" baseline="0" noProof="0" dirty="0">
+                <a:ln>
+                  <a:noFill/>
+                </a:ln>
                 <a:solidFill>
-                  <a:schemeClr val="bg1">
+                  <a:srgbClr val="FFFFFF">
                     <a:lumMod val="95000"/>
-                  </a:schemeClr>
+                  </a:srgbClr>
                 </a:solidFill>
+                <a:effectLst/>
+                <a:uLnTx/>
+                <a:uFillTx/>
+                <a:latin typeface="Arial"/>
+                <a:ea typeface="+mn-ea"/>
+                <a:cs typeface="+mn-cs"/>
               </a:rPr>
               <a:t>In Our Example we are planning to buy a car. </a:t>
             </a:r>
+          </a:p>
+          <a:p>
+            <a:pPr marL="0" marR="0" lvl="0" indent="0" algn="l" defTabSz="914400" rtl="0" eaLnBrk="1" fontAlgn="auto" latinLnBrk="0" hangingPunct="1">
+              <a:lnSpc>
+                <a:spcPct val="100000"/>
+              </a:lnSpc>
+              <a:spcBef>
+                <a:spcPts val="0"/>
+              </a:spcBef>
+              <a:spcAft>
+                <a:spcPts val="0"/>
+              </a:spcAft>
+              <a:buClrTx/>
+              <a:buSzTx/>
+              <a:buFontTx/>
+              <a:buNone/>
+              <a:tabLst/>
+              <a:defRPr/>
+            </a:pPr>
+            <a:endParaRPr kumimoji="0" lang="en-IN" sz="2400" b="0" i="0" u="none" strike="noStrike" kern="1200" cap="none" spc="0" normalizeH="0" baseline="0" noProof="0" dirty="0">
+              <a:ln>
+                <a:noFill/>
+              </a:ln>
+              <a:solidFill>
+                <a:srgbClr val="0065A4">
+                  <a:lumMod val="40000"/>
+                  <a:lumOff val="60000"/>
+                </a:srgbClr>
+              </a:solidFill>
+              <a:effectLst/>
+              <a:uLnTx/>
+              <a:uFillTx/>
+              <a:latin typeface="Arial"/>
+              <a:ea typeface="+mn-ea"/>
+              <a:cs typeface="+mn-cs"/>
+            </a:endParaRPr>
+          </a:p>
+          <a:p>
+            <a:pPr marL="0" indent="0">
+              <a:buNone/>
+            </a:pPr>
+            <a:endParaRPr lang="en-IN" dirty="0"/>
           </a:p>
         </p:txBody>
       </p:sp>
     </p:spTree>
     <p:extLst>
       <p:ext uri="{BB962C8B-B14F-4D97-AF65-F5344CB8AC3E}">
-        <p14:creationId xmlns:p14="http://schemas.microsoft.com/office/powerpoint/2010/main" val="3892131414"/>
+        <p14:creationId xmlns:p14="http://schemas.microsoft.com/office/powerpoint/2010/main" val="2224087889"/>
       </p:ext>
     </p:extLst>
   </p:cSld>
   <p:clrMapOvr>
     <a:masterClrMapping/>
   </p:clrMapOvr>
-  <mc:AlternateContent xmlns:mc="http://schemas.openxmlformats.org/markup-compatibility/2006" xmlns:p14="http://schemas.microsoft.com/office/powerpoint/2010/main">
-    <mc:Choice Requires="p14">
-      <p:transition spd="med" p14:dur="700">
-        <p:fade/>
-      </p:transition>
-    </mc:Choice>
-    <mc:Fallback xmlns="">
-      <p:transition spd="med">
-        <p:fade/>
-      </p:transition>
-    </mc:Fallback>
-  </mc:AlternateContent>
 </p:sld>
 </file>
 
